--- a/Магдалена Сакарева/Защита.pptx
+++ b/Магдалена Сакарева/Защита.pptx
@@ -116,6 +116,11 @@
       </a:defRPr>
     </a:lvl9pPr>
   </p:defaultTextStyle>
+  <p:extLst>
+    <p:ext uri="{EFAFB233-063F-42B5-8137-9DF3F51BA10A}">
+      <p15:sldGuideLst xmlns:p15="http://schemas.microsoft.com/office/powerpoint/2012/main"/>
+    </p:ext>
+  </p:extLst>
 </p:presentation>
 </file>
 
@@ -201,7 +206,7 @@
           <a:p>
             <a:fld id="{19AE08DB-09BB-46E6-B540-E1324838B3D4}" type="datetimeFigureOut">
               <a:rPr lang="bg-BG" smtClean="0"/>
-              <a:t>21.05.2023</a:t>
+              <a:t>22.05.2023</a:t>
             </a:fld>
             <a:endParaRPr lang="bg-BG"/>
           </a:p>
@@ -2189,7 +2194,7 @@
           <a:p>
             <a:fld id="{81E6A241-2244-4A08-BF2B-2834DDF6893C}" type="datetimeFigureOut">
               <a:rPr lang="bg-BG" smtClean="0"/>
-              <a:t>21.05.2023</a:t>
+              <a:t>22.05.2023</a:t>
             </a:fld>
             <a:endParaRPr lang="bg-BG"/>
           </a:p>
@@ -2247,13 +2252,13 @@
   <p:clrMapOvr>
     <a:masterClrMapping/>
   </p:clrMapOvr>
-  <mc:AlternateContent xmlns:mc="http://schemas.openxmlformats.org/markup-compatibility/2006">
-    <mc:Choice xmlns:p14="http://schemas.microsoft.com/office/powerpoint/2010/main" Requires="p14">
+  <mc:AlternateContent xmlns:mc="http://schemas.openxmlformats.org/markup-compatibility/2006" xmlns:p14="http://schemas.microsoft.com/office/powerpoint/2010/main">
+    <mc:Choice Requires="p14">
       <p:transition spd="slow" p14:dur="2500">
         <p14:vortex dir="r"/>
       </p:transition>
     </mc:Choice>
-    <mc:Fallback>
+    <mc:Fallback xmlns="">
       <p:transition spd="slow">
         <p:fade/>
       </p:transition>
@@ -2476,7 +2481,7 @@
           <a:p>
             <a:fld id="{81E6A241-2244-4A08-BF2B-2834DDF6893C}" type="datetimeFigureOut">
               <a:rPr lang="bg-BG" smtClean="0"/>
-              <a:t>21.05.2023</a:t>
+              <a:t>22.05.2023</a:t>
             </a:fld>
             <a:endParaRPr lang="bg-BG"/>
           </a:p>
@@ -2534,13 +2539,13 @@
   <p:clrMapOvr>
     <a:masterClrMapping/>
   </p:clrMapOvr>
-  <mc:AlternateContent xmlns:mc="http://schemas.openxmlformats.org/markup-compatibility/2006">
-    <mc:Choice xmlns:p14="http://schemas.microsoft.com/office/powerpoint/2010/main" Requires="p14">
+  <mc:AlternateContent xmlns:mc="http://schemas.openxmlformats.org/markup-compatibility/2006" xmlns:p14="http://schemas.microsoft.com/office/powerpoint/2010/main">
+    <mc:Choice Requires="p14">
       <p:transition spd="slow" p14:dur="2500">
         <p14:vortex dir="r"/>
       </p:transition>
     </mc:Choice>
-    <mc:Fallback>
+    <mc:Fallback xmlns="">
       <p:transition spd="slow">
         <p:fade/>
       </p:transition>
@@ -2682,7 +2687,7 @@
           <a:p>
             <a:fld id="{81E6A241-2244-4A08-BF2B-2834DDF6893C}" type="datetimeFigureOut">
               <a:rPr lang="bg-BG" smtClean="0"/>
-              <a:t>21.05.2023</a:t>
+              <a:t>22.05.2023</a:t>
             </a:fld>
             <a:endParaRPr lang="bg-BG"/>
           </a:p>
@@ -2740,13 +2745,13 @@
   <p:clrMapOvr>
     <a:masterClrMapping/>
   </p:clrMapOvr>
-  <mc:AlternateContent xmlns:mc="http://schemas.openxmlformats.org/markup-compatibility/2006">
-    <mc:Choice xmlns:p14="http://schemas.microsoft.com/office/powerpoint/2010/main" Requires="p14">
+  <mc:AlternateContent xmlns:mc="http://schemas.openxmlformats.org/markup-compatibility/2006" xmlns:p14="http://schemas.microsoft.com/office/powerpoint/2010/main">
+    <mc:Choice Requires="p14">
       <p:transition spd="slow" p14:dur="2500">
         <p14:vortex dir="r"/>
       </p:transition>
     </mc:Choice>
-    <mc:Fallback>
+    <mc:Fallback xmlns="">
       <p:transition spd="slow">
         <p:fade/>
       </p:transition>
@@ -2967,7 +2972,7 @@
           <a:p>
             <a:fld id="{81E6A241-2244-4A08-BF2B-2834DDF6893C}" type="datetimeFigureOut">
               <a:rPr lang="bg-BG" smtClean="0"/>
-              <a:t>21.05.2023</a:t>
+              <a:t>22.05.2023</a:t>
             </a:fld>
             <a:endParaRPr lang="bg-BG"/>
           </a:p>
@@ -3119,13 +3124,13 @@
   <p:clrMapOvr>
     <a:masterClrMapping/>
   </p:clrMapOvr>
-  <mc:AlternateContent xmlns:mc="http://schemas.openxmlformats.org/markup-compatibility/2006">
-    <mc:Choice xmlns:p14="http://schemas.microsoft.com/office/powerpoint/2010/main" Requires="p14">
+  <mc:AlternateContent xmlns:mc="http://schemas.openxmlformats.org/markup-compatibility/2006" xmlns:p14="http://schemas.microsoft.com/office/powerpoint/2010/main">
+    <mc:Choice Requires="p14">
       <p:transition spd="slow" p14:dur="2500">
         <p14:vortex dir="r"/>
       </p:transition>
     </mc:Choice>
-    <mc:Fallback>
+    <mc:Fallback xmlns="">
       <p:transition spd="slow">
         <p:fade/>
       </p:transition>
@@ -3320,7 +3325,7 @@
           <a:p>
             <a:fld id="{81E6A241-2244-4A08-BF2B-2834DDF6893C}" type="datetimeFigureOut">
               <a:rPr lang="bg-BG" smtClean="0"/>
-              <a:t>21.05.2023</a:t>
+              <a:t>22.05.2023</a:t>
             </a:fld>
             <a:endParaRPr lang="bg-BG"/>
           </a:p>
@@ -3378,13 +3383,13 @@
   <p:clrMapOvr>
     <a:masterClrMapping/>
   </p:clrMapOvr>
-  <mc:AlternateContent xmlns:mc="http://schemas.openxmlformats.org/markup-compatibility/2006">
-    <mc:Choice xmlns:p14="http://schemas.microsoft.com/office/powerpoint/2010/main" Requires="p14">
+  <mc:AlternateContent xmlns:mc="http://schemas.openxmlformats.org/markup-compatibility/2006" xmlns:p14="http://schemas.microsoft.com/office/powerpoint/2010/main">
+    <mc:Choice Requires="p14">
       <p:transition spd="slow" p14:dur="2500">
         <p14:vortex dir="r"/>
       </p:transition>
     </mc:Choice>
-    <mc:Fallback>
+    <mc:Fallback xmlns="">
       <p:transition spd="slow">
         <p:fade/>
       </p:transition>
@@ -3955,7 +3960,7 @@
           <a:p>
             <a:fld id="{81E6A241-2244-4A08-BF2B-2834DDF6893C}" type="datetimeFigureOut">
               <a:rPr lang="bg-BG" smtClean="0"/>
-              <a:t>21.05.2023</a:t>
+              <a:t>22.05.2023</a:t>
             </a:fld>
             <a:endParaRPr lang="bg-BG"/>
           </a:p>
@@ -4013,13 +4018,13 @@
   <p:clrMapOvr>
     <a:masterClrMapping/>
   </p:clrMapOvr>
-  <mc:AlternateContent xmlns:mc="http://schemas.openxmlformats.org/markup-compatibility/2006">
-    <mc:Choice xmlns:p14="http://schemas.microsoft.com/office/powerpoint/2010/main" Requires="p14">
+  <mc:AlternateContent xmlns:mc="http://schemas.openxmlformats.org/markup-compatibility/2006" xmlns:p14="http://schemas.microsoft.com/office/powerpoint/2010/main">
+    <mc:Choice Requires="p14">
       <p:transition spd="slow" p14:dur="2500">
         <p14:vortex dir="r"/>
       </p:transition>
     </mc:Choice>
-    <mc:Fallback>
+    <mc:Fallback xmlns="">
       <p:transition spd="slow">
         <p:fade/>
       </p:transition>
@@ -4827,7 +4832,7 @@
           <a:p>
             <a:fld id="{81E6A241-2244-4A08-BF2B-2834DDF6893C}" type="datetimeFigureOut">
               <a:rPr lang="bg-BG" smtClean="0"/>
-              <a:t>21.05.2023</a:t>
+              <a:t>22.05.2023</a:t>
             </a:fld>
             <a:endParaRPr lang="bg-BG"/>
           </a:p>
@@ -4885,13 +4890,13 @@
   <p:clrMapOvr>
     <a:masterClrMapping/>
   </p:clrMapOvr>
-  <mc:AlternateContent xmlns:mc="http://schemas.openxmlformats.org/markup-compatibility/2006">
-    <mc:Choice xmlns:p14="http://schemas.microsoft.com/office/powerpoint/2010/main" Requires="p14">
+  <mc:AlternateContent xmlns:mc="http://schemas.openxmlformats.org/markup-compatibility/2006" xmlns:p14="http://schemas.microsoft.com/office/powerpoint/2010/main">
+    <mc:Choice Requires="p14">
       <p:transition spd="slow" p14:dur="2500">
         <p14:vortex dir="r"/>
       </p:transition>
     </mc:Choice>
-    <mc:Fallback>
+    <mc:Fallback xmlns="">
       <p:transition spd="slow">
         <p:fade/>
       </p:transition>
@@ -5009,7 +5014,7 @@
           <a:p>
             <a:fld id="{81E6A241-2244-4A08-BF2B-2834DDF6893C}" type="datetimeFigureOut">
               <a:rPr lang="bg-BG" smtClean="0"/>
-              <a:t>21.05.2023</a:t>
+              <a:t>22.05.2023</a:t>
             </a:fld>
             <a:endParaRPr lang="bg-BG"/>
           </a:p>
@@ -5067,13 +5072,13 @@
   <p:clrMapOvr>
     <a:masterClrMapping/>
   </p:clrMapOvr>
-  <mc:AlternateContent xmlns:mc="http://schemas.openxmlformats.org/markup-compatibility/2006">
-    <mc:Choice xmlns:p14="http://schemas.microsoft.com/office/powerpoint/2010/main" Requires="p14">
+  <mc:AlternateContent xmlns:mc="http://schemas.openxmlformats.org/markup-compatibility/2006" xmlns:p14="http://schemas.microsoft.com/office/powerpoint/2010/main">
+    <mc:Choice Requires="p14">
       <p:transition spd="slow" p14:dur="2500">
         <p14:vortex dir="r"/>
       </p:transition>
     </mc:Choice>
-    <mc:Fallback>
+    <mc:Fallback xmlns="">
       <p:transition spd="slow">
         <p:fade/>
       </p:transition>
@@ -5201,7 +5206,7 @@
           <a:p>
             <a:fld id="{81E6A241-2244-4A08-BF2B-2834DDF6893C}" type="datetimeFigureOut">
               <a:rPr lang="bg-BG" smtClean="0"/>
-              <a:t>21.05.2023</a:t>
+              <a:t>22.05.2023</a:t>
             </a:fld>
             <a:endParaRPr lang="bg-BG"/>
           </a:p>
@@ -5259,13 +5264,13 @@
   <p:clrMapOvr>
     <a:masterClrMapping/>
   </p:clrMapOvr>
-  <mc:AlternateContent xmlns:mc="http://schemas.openxmlformats.org/markup-compatibility/2006">
-    <mc:Choice xmlns:p14="http://schemas.microsoft.com/office/powerpoint/2010/main" Requires="p14">
+  <mc:AlternateContent xmlns:mc="http://schemas.openxmlformats.org/markup-compatibility/2006" xmlns:p14="http://schemas.microsoft.com/office/powerpoint/2010/main">
+    <mc:Choice Requires="p14">
       <p:transition spd="slow" p14:dur="2500">
         <p14:vortex dir="r"/>
       </p:transition>
     </mc:Choice>
-    <mc:Fallback>
+    <mc:Fallback xmlns="">
       <p:transition spd="slow">
         <p:fade/>
       </p:transition>
@@ -5383,7 +5388,7 @@
           <a:p>
             <a:fld id="{81E6A241-2244-4A08-BF2B-2834DDF6893C}" type="datetimeFigureOut">
               <a:rPr lang="bg-BG" smtClean="0"/>
-              <a:t>21.05.2023</a:t>
+              <a:t>22.05.2023</a:t>
             </a:fld>
             <a:endParaRPr lang="bg-BG"/>
           </a:p>
@@ -5441,13 +5446,13 @@
   <p:clrMapOvr>
     <a:masterClrMapping/>
   </p:clrMapOvr>
-  <mc:AlternateContent xmlns:mc="http://schemas.openxmlformats.org/markup-compatibility/2006">
-    <mc:Choice xmlns:p14="http://schemas.microsoft.com/office/powerpoint/2010/main" Requires="p14">
+  <mc:AlternateContent xmlns:mc="http://schemas.openxmlformats.org/markup-compatibility/2006" xmlns:p14="http://schemas.microsoft.com/office/powerpoint/2010/main">
+    <mc:Choice Requires="p14">
       <p:transition spd="slow" p14:dur="2500">
         <p14:vortex dir="r"/>
       </p:transition>
     </mc:Choice>
-    <mc:Fallback>
+    <mc:Fallback xmlns="">
       <p:transition spd="slow">
         <p:fade/>
       </p:transition>
@@ -5642,7 +5647,7 @@
           <a:p>
             <a:fld id="{81E6A241-2244-4A08-BF2B-2834DDF6893C}" type="datetimeFigureOut">
               <a:rPr lang="bg-BG" smtClean="0"/>
-              <a:t>21.05.2023</a:t>
+              <a:t>22.05.2023</a:t>
             </a:fld>
             <a:endParaRPr lang="bg-BG"/>
           </a:p>
@@ -5700,13 +5705,13 @@
   <p:clrMapOvr>
     <a:masterClrMapping/>
   </p:clrMapOvr>
-  <mc:AlternateContent xmlns:mc="http://schemas.openxmlformats.org/markup-compatibility/2006">
-    <mc:Choice xmlns:p14="http://schemas.microsoft.com/office/powerpoint/2010/main" Requires="p14">
+  <mc:AlternateContent xmlns:mc="http://schemas.openxmlformats.org/markup-compatibility/2006" xmlns:p14="http://schemas.microsoft.com/office/powerpoint/2010/main">
+    <mc:Choice Requires="p14">
       <p:transition spd="slow" p14:dur="2500">
         <p14:vortex dir="r"/>
       </p:transition>
     </mc:Choice>
-    <mc:Fallback>
+    <mc:Fallback xmlns="">
       <p:transition spd="slow">
         <p:fade/>
       </p:transition>
@@ -5946,7 +5951,7 @@
           <a:p>
             <a:fld id="{81E6A241-2244-4A08-BF2B-2834DDF6893C}" type="datetimeFigureOut">
               <a:rPr lang="bg-BG" smtClean="0"/>
-              <a:t>21.05.2023</a:t>
+              <a:t>22.05.2023</a:t>
             </a:fld>
             <a:endParaRPr lang="bg-BG"/>
           </a:p>
@@ -6004,13 +6009,13 @@
   <p:clrMapOvr>
     <a:masterClrMapping/>
   </p:clrMapOvr>
-  <mc:AlternateContent xmlns:mc="http://schemas.openxmlformats.org/markup-compatibility/2006">
-    <mc:Choice xmlns:p14="http://schemas.microsoft.com/office/powerpoint/2010/main" Requires="p14">
+  <mc:AlternateContent xmlns:mc="http://schemas.openxmlformats.org/markup-compatibility/2006" xmlns:p14="http://schemas.microsoft.com/office/powerpoint/2010/main">
+    <mc:Choice Requires="p14">
       <p:transition spd="slow" p14:dur="2500">
         <p14:vortex dir="r"/>
       </p:transition>
     </mc:Choice>
-    <mc:Fallback>
+    <mc:Fallback xmlns="">
       <p:transition spd="slow">
         <p:fade/>
       </p:transition>
@@ -6402,7 +6407,7 @@
           <a:p>
             <a:fld id="{81E6A241-2244-4A08-BF2B-2834DDF6893C}" type="datetimeFigureOut">
               <a:rPr lang="bg-BG" smtClean="0"/>
-              <a:t>21.05.2023</a:t>
+              <a:t>22.05.2023</a:t>
             </a:fld>
             <a:endParaRPr lang="bg-BG"/>
           </a:p>
@@ -6460,13 +6465,13 @@
   <p:clrMapOvr>
     <a:masterClrMapping/>
   </p:clrMapOvr>
-  <mc:AlternateContent xmlns:mc="http://schemas.openxmlformats.org/markup-compatibility/2006">
-    <mc:Choice xmlns:p14="http://schemas.microsoft.com/office/powerpoint/2010/main" Requires="p14">
+  <mc:AlternateContent xmlns:mc="http://schemas.openxmlformats.org/markup-compatibility/2006" xmlns:p14="http://schemas.microsoft.com/office/powerpoint/2010/main">
+    <mc:Choice Requires="p14">
       <p:transition spd="slow" p14:dur="2500">
         <p14:vortex dir="r"/>
       </p:transition>
     </mc:Choice>
-    <mc:Fallback>
+    <mc:Fallback xmlns="">
       <p:transition spd="slow">
         <p:fade/>
       </p:transition>
@@ -6532,7 +6537,7 @@
           <a:p>
             <a:fld id="{81E6A241-2244-4A08-BF2B-2834DDF6893C}" type="datetimeFigureOut">
               <a:rPr lang="bg-BG" smtClean="0"/>
-              <a:t>21.05.2023</a:t>
+              <a:t>22.05.2023</a:t>
             </a:fld>
             <a:endParaRPr lang="bg-BG"/>
           </a:p>
@@ -6590,13 +6595,13 @@
   <p:clrMapOvr>
     <a:masterClrMapping/>
   </p:clrMapOvr>
-  <mc:AlternateContent xmlns:mc="http://schemas.openxmlformats.org/markup-compatibility/2006">
-    <mc:Choice xmlns:p14="http://schemas.microsoft.com/office/powerpoint/2010/main" Requires="p14">
+  <mc:AlternateContent xmlns:mc="http://schemas.openxmlformats.org/markup-compatibility/2006" xmlns:p14="http://schemas.microsoft.com/office/powerpoint/2010/main">
+    <mc:Choice Requires="p14">
       <p:transition spd="slow" p14:dur="2500">
         <p14:vortex dir="r"/>
       </p:transition>
     </mc:Choice>
-    <mc:Fallback>
+    <mc:Fallback xmlns="">
       <p:transition spd="slow">
         <p:fade/>
       </p:transition>
@@ -6639,7 +6644,7 @@
           <a:p>
             <a:fld id="{81E6A241-2244-4A08-BF2B-2834DDF6893C}" type="datetimeFigureOut">
               <a:rPr lang="bg-BG" smtClean="0"/>
-              <a:t>21.05.2023</a:t>
+              <a:t>22.05.2023</a:t>
             </a:fld>
             <a:endParaRPr lang="bg-BG"/>
           </a:p>
@@ -6697,13 +6702,13 @@
   <p:clrMapOvr>
     <a:masterClrMapping/>
   </p:clrMapOvr>
-  <mc:AlternateContent xmlns:mc="http://schemas.openxmlformats.org/markup-compatibility/2006">
-    <mc:Choice xmlns:p14="http://schemas.microsoft.com/office/powerpoint/2010/main" Requires="p14">
+  <mc:AlternateContent xmlns:mc="http://schemas.openxmlformats.org/markup-compatibility/2006" xmlns:p14="http://schemas.microsoft.com/office/powerpoint/2010/main">
+    <mc:Choice Requires="p14">
       <p:transition spd="slow" p14:dur="2500">
         <p14:vortex dir="r"/>
       </p:transition>
     </mc:Choice>
-    <mc:Fallback>
+    <mc:Fallback xmlns="">
       <p:transition spd="slow">
         <p:fade/>
       </p:transition>
@@ -6930,7 +6935,7 @@
           <a:p>
             <a:fld id="{81E6A241-2244-4A08-BF2B-2834DDF6893C}" type="datetimeFigureOut">
               <a:rPr lang="bg-BG" smtClean="0"/>
-              <a:t>21.05.2023</a:t>
+              <a:t>22.05.2023</a:t>
             </a:fld>
             <a:endParaRPr lang="bg-BG"/>
           </a:p>
@@ -6988,13 +6993,13 @@
   <p:clrMapOvr>
     <a:masterClrMapping/>
   </p:clrMapOvr>
-  <mc:AlternateContent xmlns:mc="http://schemas.openxmlformats.org/markup-compatibility/2006">
-    <mc:Choice xmlns:p14="http://schemas.microsoft.com/office/powerpoint/2010/main" Requires="p14">
+  <mc:AlternateContent xmlns:mc="http://schemas.openxmlformats.org/markup-compatibility/2006" xmlns:p14="http://schemas.microsoft.com/office/powerpoint/2010/main">
+    <mc:Choice Requires="p14">
       <p:transition spd="slow" p14:dur="2500">
         <p14:vortex dir="r"/>
       </p:transition>
     </mc:Choice>
-    <mc:Fallback>
+    <mc:Fallback xmlns="">
       <p:transition spd="slow">
         <p:fade/>
       </p:transition>
@@ -7217,7 +7222,7 @@
           <a:p>
             <a:fld id="{81E6A241-2244-4A08-BF2B-2834DDF6893C}" type="datetimeFigureOut">
               <a:rPr lang="bg-BG" smtClean="0"/>
-              <a:t>21.05.2023</a:t>
+              <a:t>22.05.2023</a:t>
             </a:fld>
             <a:endParaRPr lang="bg-BG"/>
           </a:p>
@@ -7275,13 +7280,13 @@
   <p:clrMapOvr>
     <a:masterClrMapping/>
   </p:clrMapOvr>
-  <mc:AlternateContent xmlns:mc="http://schemas.openxmlformats.org/markup-compatibility/2006">
-    <mc:Choice xmlns:p14="http://schemas.microsoft.com/office/powerpoint/2010/main" Requires="p14">
+  <mc:AlternateContent xmlns:mc="http://schemas.openxmlformats.org/markup-compatibility/2006" xmlns:p14="http://schemas.microsoft.com/office/powerpoint/2010/main">
+    <mc:Choice Requires="p14">
       <p:transition spd="slow" p14:dur="2500">
         <p14:vortex dir="r"/>
       </p:transition>
     </mc:Choice>
-    <mc:Fallback>
+    <mc:Fallback xmlns="">
       <p:transition spd="slow">
         <p:fade/>
       </p:transition>
@@ -7658,7 +7663,7 @@
           <a:p>
             <a:fld id="{81E6A241-2244-4A08-BF2B-2834DDF6893C}" type="datetimeFigureOut">
               <a:rPr lang="bg-BG" smtClean="0"/>
-              <a:t>21.05.2023</a:t>
+              <a:t>22.05.2023</a:t>
             </a:fld>
             <a:endParaRPr lang="bg-BG"/>
           </a:p>
@@ -7770,13 +7775,13 @@
     <p:sldLayoutId id="2147483766" r:id="rId16"/>
     <p:sldLayoutId id="2147483767" r:id="rId17"/>
   </p:sldLayoutIdLst>
-  <mc:AlternateContent xmlns:mc="http://schemas.openxmlformats.org/markup-compatibility/2006">
-    <mc:Choice xmlns:p14="http://schemas.microsoft.com/office/powerpoint/2010/main" Requires="p14">
+  <mc:AlternateContent xmlns:mc="http://schemas.openxmlformats.org/markup-compatibility/2006" xmlns:p14="http://schemas.microsoft.com/office/powerpoint/2010/main">
+    <mc:Choice Requires="p14">
       <p:transition spd="slow" p14:dur="2500">
         <p14:vortex dir="r"/>
       </p:transition>
     </mc:Choice>
-    <mc:Fallback>
+    <mc:Fallback xmlns="">
       <p:transition spd="slow">
         <p:fade/>
       </p:transition>
@@ -8246,8 +8251,12 @@
           <a:lstStyle/>
           <a:p>
             <a:r>
-              <a:rPr lang="bg-BG" dirty="0" smtClean="0"/>
-              <a:t>Магдалена Халачева</a:t>
+              <a:rPr lang="bg-BG" smtClean="0"/>
+              <a:t>Магдалена </a:t>
+            </a:r>
+            <a:r>
+              <a:rPr lang="bg-BG" smtClean="0"/>
+              <a:t>Сакарева</a:t>
             </a:r>
             <a:endParaRPr lang="bg-BG" dirty="0"/>
           </a:p>
@@ -8263,13 +8272,13 @@
   <p:clrMapOvr>
     <a:masterClrMapping/>
   </p:clrMapOvr>
-  <mc:AlternateContent xmlns:mc="http://schemas.openxmlformats.org/markup-compatibility/2006">
-    <mc:Choice xmlns:p14="http://schemas.microsoft.com/office/powerpoint/2010/main" Requires="p14">
+  <mc:AlternateContent xmlns:mc="http://schemas.openxmlformats.org/markup-compatibility/2006" xmlns:p14="http://schemas.microsoft.com/office/powerpoint/2010/main">
+    <mc:Choice Requires="p14">
       <p:transition spd="slow" p14:dur="2500">
         <p14:vortex dir="r"/>
       </p:transition>
     </mc:Choice>
-    <mc:Fallback>
+    <mc:Fallback xmlns="">
       <p:transition spd="slow">
         <p:fade/>
       </p:transition>
@@ -8349,13 +8358,13 @@
   <p:clrMapOvr>
     <a:masterClrMapping/>
   </p:clrMapOvr>
-  <mc:AlternateContent xmlns:mc="http://schemas.openxmlformats.org/markup-compatibility/2006">
-    <mc:Choice xmlns:p14="http://schemas.microsoft.com/office/powerpoint/2010/main" Requires="p14">
+  <mc:AlternateContent xmlns:mc="http://schemas.openxmlformats.org/markup-compatibility/2006" xmlns:p14="http://schemas.microsoft.com/office/powerpoint/2010/main">
+    <mc:Choice Requires="p14">
       <p:transition spd="slow" p14:dur="2500">
         <p14:vortex dir="r"/>
       </p:transition>
     </mc:Choice>
-    <mc:Fallback>
+    <mc:Fallback xmlns="">
       <p:transition spd="slow">
         <p:fade/>
       </p:transition>
@@ -8502,13 +8511,13 @@
   <p:clrMapOvr>
     <a:masterClrMapping/>
   </p:clrMapOvr>
-  <mc:AlternateContent xmlns:mc="http://schemas.openxmlformats.org/markup-compatibility/2006">
-    <mc:Choice xmlns:p14="http://schemas.microsoft.com/office/powerpoint/2010/main" Requires="p14">
+  <mc:AlternateContent xmlns:mc="http://schemas.openxmlformats.org/markup-compatibility/2006" xmlns:p14="http://schemas.microsoft.com/office/powerpoint/2010/main">
+    <mc:Choice Requires="p14">
       <p:transition spd="slow" p14:dur="2500">
         <p14:vortex dir="r"/>
       </p:transition>
     </mc:Choice>
-    <mc:Fallback>
+    <mc:Fallback xmlns="">
       <p:transition spd="slow">
         <p:fade/>
       </p:transition>
@@ -8637,13 +8646,13 @@
   <p:clrMapOvr>
     <a:masterClrMapping/>
   </p:clrMapOvr>
-  <mc:AlternateContent xmlns:mc="http://schemas.openxmlformats.org/markup-compatibility/2006">
-    <mc:Choice xmlns:p14="http://schemas.microsoft.com/office/powerpoint/2010/main" Requires="p14">
+  <mc:AlternateContent xmlns:mc="http://schemas.openxmlformats.org/markup-compatibility/2006" xmlns:p14="http://schemas.microsoft.com/office/powerpoint/2010/main">
+    <mc:Choice Requires="p14">
       <p:transition spd="slow" p14:dur="2500">
         <p14:vortex dir="r"/>
       </p:transition>
     </mc:Choice>
-    <mc:Fallback>
+    <mc:Fallback xmlns="">
       <p:transition spd="slow">
         <p:fade/>
       </p:transition>
@@ -8740,13 +8749,13 @@
   <p:clrMapOvr>
     <a:masterClrMapping/>
   </p:clrMapOvr>
-  <mc:AlternateContent xmlns:mc="http://schemas.openxmlformats.org/markup-compatibility/2006">
-    <mc:Choice xmlns:p14="http://schemas.microsoft.com/office/powerpoint/2010/main" Requires="p14">
+  <mc:AlternateContent xmlns:mc="http://schemas.openxmlformats.org/markup-compatibility/2006" xmlns:p14="http://schemas.microsoft.com/office/powerpoint/2010/main">
+    <mc:Choice Requires="p14">
       <p:transition spd="slow" p14:dur="2500">
         <p14:vortex dir="r"/>
       </p:transition>
     </mc:Choice>
-    <mc:Fallback>
+    <mc:Fallback xmlns="">
       <p:transition spd="slow">
         <p:fade/>
       </p:transition>
@@ -8850,13 +8859,13 @@
   <p:clrMapOvr>
     <a:masterClrMapping/>
   </p:clrMapOvr>
-  <mc:AlternateContent xmlns:mc="http://schemas.openxmlformats.org/markup-compatibility/2006">
-    <mc:Choice xmlns:p14="http://schemas.microsoft.com/office/powerpoint/2010/main" Requires="p14">
+  <mc:AlternateContent xmlns:mc="http://schemas.openxmlformats.org/markup-compatibility/2006" xmlns:p14="http://schemas.microsoft.com/office/powerpoint/2010/main">
+    <mc:Choice Requires="p14">
       <p:transition spd="slow" p14:dur="2500">
         <p14:vortex dir="r"/>
       </p:transition>
     </mc:Choice>
-    <mc:Fallback>
+    <mc:Fallback xmlns="">
       <p:transition spd="slow">
         <p:fade/>
       </p:transition>
@@ -8961,13 +8970,13 @@
   <p:clrMapOvr>
     <a:masterClrMapping/>
   </p:clrMapOvr>
-  <mc:AlternateContent xmlns:mc="http://schemas.openxmlformats.org/markup-compatibility/2006">
-    <mc:Choice xmlns:p14="http://schemas.microsoft.com/office/powerpoint/2010/main" Requires="p14">
+  <mc:AlternateContent xmlns:mc="http://schemas.openxmlformats.org/markup-compatibility/2006" xmlns:p14="http://schemas.microsoft.com/office/powerpoint/2010/main">
+    <mc:Choice Requires="p14">
       <p:transition spd="slow" p14:dur="2500">
         <p14:vortex dir="r"/>
       </p:transition>
     </mc:Choice>
-    <mc:Fallback>
+    <mc:Fallback xmlns="">
       <p:transition spd="slow">
         <p:fade/>
       </p:transition>
@@ -9072,13 +9081,13 @@
   <p:clrMapOvr>
     <a:masterClrMapping/>
   </p:clrMapOvr>
-  <mc:AlternateContent xmlns:mc="http://schemas.openxmlformats.org/markup-compatibility/2006">
-    <mc:Choice xmlns:p14="http://schemas.microsoft.com/office/powerpoint/2010/main" Requires="p14">
+  <mc:AlternateContent xmlns:mc="http://schemas.openxmlformats.org/markup-compatibility/2006" xmlns:p14="http://schemas.microsoft.com/office/powerpoint/2010/main">
+    <mc:Choice Requires="p14">
       <p:transition spd="slow" p14:dur="2500">
         <p14:vortex dir="r"/>
       </p:transition>
     </mc:Choice>
-    <mc:Fallback>
+    <mc:Fallback xmlns="">
       <p:transition spd="slow">
         <p:fade/>
       </p:transition>
@@ -9181,13 +9190,13 @@
   <p:clrMapOvr>
     <a:masterClrMapping/>
   </p:clrMapOvr>
-  <mc:AlternateContent xmlns:mc="http://schemas.openxmlformats.org/markup-compatibility/2006">
-    <mc:Choice xmlns:p14="http://schemas.microsoft.com/office/powerpoint/2010/main" Requires="p14">
+  <mc:AlternateContent xmlns:mc="http://schemas.openxmlformats.org/markup-compatibility/2006" xmlns:p14="http://schemas.microsoft.com/office/powerpoint/2010/main">
+    <mc:Choice Requires="p14">
       <p:transition spd="slow" p14:dur="2500">
         <p14:vortex dir="r"/>
       </p:transition>
     </mc:Choice>
-    <mc:Fallback>
+    <mc:Fallback xmlns="">
       <p:transition spd="slow">
         <p:fade/>
       </p:transition>
@@ -9292,13 +9301,13 @@
   <p:clrMapOvr>
     <a:masterClrMapping/>
   </p:clrMapOvr>
-  <mc:AlternateContent xmlns:mc="http://schemas.openxmlformats.org/markup-compatibility/2006">
-    <mc:Choice xmlns:p14="http://schemas.microsoft.com/office/powerpoint/2010/main" Requires="p14">
+  <mc:AlternateContent xmlns:mc="http://schemas.openxmlformats.org/markup-compatibility/2006" xmlns:p14="http://schemas.microsoft.com/office/powerpoint/2010/main">
+    <mc:Choice Requires="p14">
       <p:transition spd="slow" p14:dur="2500">
         <p14:vortex dir="r"/>
       </p:transition>
     </mc:Choice>
-    <mc:Fallback>
+    <mc:Fallback xmlns="">
       <p:transition spd="slow">
         <p:fade/>
       </p:transition>
